--- a/java/docs/14-java-网络编程.pptx
+++ b/java/docs/14-java-网络编程.pptx
@@ -10,7 +10,7 @@
   </p:notesMasterIdLst>
   <p:sldIdLst>
     <p:sldId id="256" r:id="rId3"/>
-    <p:sldId id="262" r:id="rId4"/>
+    <p:sldId id="274" r:id="rId4"/>
     <p:sldId id="263" r:id="rId5"/>
     <p:sldId id="264" r:id="rId6"/>
     <p:sldId id="265" r:id="rId7"/>
@@ -206,7 +206,7 @@
           <a:p>
             <a:fld id="{D6CB015B-B7FF-4093-8E19-9AD7339689D2}" type="datetimeFigureOut">
               <a:rPr lang="zh-CN" altLang="en-US" smtClean="0"/>
-              <a:t>2017/12/6</a:t>
+              <a:t>2017/12/7</a:t>
             </a:fld>
             <a:endParaRPr lang="zh-CN" altLang="en-US"/>
           </a:p>
@@ -2176,7 +2176,7 @@
             <a:fld id="{B35E7478-ADE7-4480-A214-01473DFE0029}" type="datetimeFigureOut">
               <a:rPr lang="zh-CN" altLang="en-US" smtClean="0"/>
               <a:pPr/>
-              <a:t>2017/12/6</a:t>
+              <a:t>2017/12/7</a:t>
             </a:fld>
             <a:endParaRPr lang="zh-CN" altLang="en-US"/>
           </a:p>
@@ -6041,7 +6041,7 @@
             <a:fld id="{B35E7478-ADE7-4480-A214-01473DFE0029}" type="datetimeFigureOut">
               <a:rPr lang="zh-CN" altLang="en-US" smtClean="0"/>
               <a:pPr/>
-              <a:t>2017/12/6</a:t>
+              <a:t>2017/12/7</a:t>
             </a:fld>
             <a:endParaRPr lang="zh-CN" altLang="en-US"/>
           </a:p>
@@ -7709,7 +7709,7 @@
             <a:fld id="{B35E7478-ADE7-4480-A214-01473DFE0029}" type="datetimeFigureOut">
               <a:rPr lang="zh-CN" altLang="en-US" smtClean="0"/>
               <a:pPr/>
-              <a:t>2017/12/6</a:t>
+              <a:t>2017/12/7</a:t>
             </a:fld>
             <a:endParaRPr lang="zh-CN" altLang="en-US"/>
           </a:p>
@@ -12013,7 +12013,7 @@
                 </a:solidFill>
               </a:rPr>
               <a:pPr/>
-              <a:t>2017/12/6</a:t>
+              <a:t>2017/12/7</a:t>
             </a:fld>
             <a:endParaRPr lang="zh-CN" altLang="en-US">
               <a:solidFill>
@@ -15931,7 +15931,7 @@
                 </a:solidFill>
               </a:rPr>
               <a:pPr/>
-              <a:t>2017/12/6</a:t>
+              <a:t>2017/12/7</a:t>
             </a:fld>
             <a:endParaRPr lang="zh-CN" altLang="en-US">
               <a:solidFill>
@@ -21782,7 +21782,7 @@
                 </a:solidFill>
               </a:rPr>
               <a:pPr/>
-              <a:t>2017/12/6</a:t>
+              <a:t>2017/12/7</a:t>
             </a:fld>
             <a:endParaRPr lang="zh-CN" altLang="en-US">
               <a:solidFill>
@@ -22372,7 +22372,7 @@
                 </a:solidFill>
               </a:rPr>
               <a:pPr/>
-              <a:t>2017/12/6</a:t>
+              <a:t>2017/12/7</a:t>
             </a:fld>
             <a:endParaRPr lang="zh-CN" altLang="en-US">
               <a:solidFill>
@@ -26076,7 +26076,7 @@
                 </a:solidFill>
               </a:rPr>
               <a:pPr/>
-              <a:t>2017/12/6</a:t>
+              <a:t>2017/12/7</a:t>
             </a:fld>
             <a:endParaRPr lang="zh-CN" altLang="en-US">
               <a:solidFill>
@@ -26210,7 +26210,7 @@
                 </a:solidFill>
               </a:rPr>
               <a:pPr/>
-              <a:t>2017/12/6</a:t>
+              <a:t>2017/12/7</a:t>
             </a:fld>
             <a:endParaRPr lang="zh-CN" altLang="en-US">
               <a:solidFill>
@@ -27039,7 +27039,7 @@
             <a:fld id="{B35E7478-ADE7-4480-A214-01473DFE0029}" type="datetimeFigureOut">
               <a:rPr lang="zh-CN" altLang="en-US" smtClean="0"/>
               <a:pPr/>
-              <a:t>2017/12/6</a:t>
+              <a:t>2017/12/7</a:t>
             </a:fld>
             <a:endParaRPr lang="zh-CN" altLang="en-US"/>
           </a:p>
@@ -32367,7 +32367,7 @@
             <a:fld id="{B35E7478-ADE7-4480-A214-01473DFE0029}" type="datetimeFigureOut">
               <a:rPr lang="zh-CN" altLang="en-US" smtClean="0"/>
               <a:pPr/>
-              <a:t>2017/12/6</a:t>
+              <a:t>2017/12/7</a:t>
             </a:fld>
             <a:endParaRPr lang="zh-CN" altLang="en-US"/>
           </a:p>
@@ -37721,7 +37721,7 @@
             <a:fld id="{B35E7478-ADE7-4480-A214-01473DFE0029}" type="datetimeFigureOut">
               <a:rPr lang="zh-CN" altLang="en-US" smtClean="0"/>
               <a:pPr/>
-              <a:t>2017/12/6</a:t>
+              <a:t>2017/12/7</a:t>
             </a:fld>
             <a:endParaRPr lang="zh-CN" altLang="en-US"/>
           </a:p>
@@ -37818,7 +37818,7 @@
             <a:fld id="{B35E7478-ADE7-4480-A214-01473DFE0029}" type="datetimeFigureOut">
               <a:rPr lang="zh-CN" altLang="en-US" smtClean="0"/>
               <a:pPr/>
-              <a:t>2017/12/6</a:t>
+              <a:t>2017/12/7</a:t>
             </a:fld>
             <a:endParaRPr lang="zh-CN" altLang="en-US"/>
           </a:p>
@@ -38104,7 +38104,7 @@
             <a:fld id="{B35E7478-ADE7-4480-A214-01473DFE0029}" type="datetimeFigureOut">
               <a:rPr lang="zh-CN" altLang="en-US" smtClean="0"/>
               <a:pPr/>
-              <a:t>2017/12/6</a:t>
+              <a:t>2017/12/7</a:t>
             </a:fld>
             <a:endParaRPr lang="zh-CN" altLang="en-US"/>
           </a:p>
@@ -38359,7 +38359,7 @@
             <a:fld id="{B35E7478-ADE7-4480-A214-01473DFE0029}" type="datetimeFigureOut">
               <a:rPr lang="zh-CN" altLang="en-US" smtClean="0"/>
               <a:pPr/>
-              <a:t>2017/12/6</a:t>
+              <a:t>2017/12/7</a:t>
             </a:fld>
             <a:endParaRPr lang="zh-CN" altLang="en-US"/>
           </a:p>
@@ -38531,7 +38531,7 @@
             <a:fld id="{B35E7478-ADE7-4480-A214-01473DFE0029}" type="datetimeFigureOut">
               <a:rPr lang="zh-CN" altLang="en-US" smtClean="0"/>
               <a:pPr/>
-              <a:t>2017/12/6</a:t>
+              <a:t>2017/12/7</a:t>
             </a:fld>
             <a:endParaRPr lang="zh-CN" altLang="en-US"/>
           </a:p>
@@ -38758,7 +38758,7 @@
             <a:fld id="{B35E7478-ADE7-4480-A214-01473DFE0029}" type="datetimeFigureOut">
               <a:rPr lang="zh-CN" altLang="en-US" smtClean="0"/>
               <a:pPr/>
-              <a:t>2017/12/6</a:t>
+              <a:t>2017/12/7</a:t>
             </a:fld>
             <a:endParaRPr lang="zh-CN" altLang="en-US"/>
           </a:p>
@@ -39294,7 +39294,7 @@
                 </a:solidFill>
               </a:rPr>
               <a:pPr/>
-              <a:t>2017/12/6</a:t>
+              <a:t>2017/12/7</a:t>
             </a:fld>
             <a:endParaRPr lang="zh-CN" altLang="en-US">
               <a:solidFill>
@@ -40579,8 +40579,13 @@
             </a:r>
             <a:r>
               <a:rPr lang="zh-CN" altLang="en-US" dirty="0"/>
-              <a:t>协议集 </a:t>
+              <a:t>协议</a:t>
             </a:r>
+            <a:r>
+              <a:rPr lang="zh-CN" altLang="en-US" dirty="0" smtClean="0"/>
+              <a:t>集</a:t>
+            </a:r>
+            <a:endParaRPr lang="zh-CN" altLang="en-US" dirty="0"/>
           </a:p>
         </p:txBody>
       </p:sp>
@@ -40605,7 +40610,7 @@
       </p:sp>
       <p:pic>
         <p:nvPicPr>
-          <p:cNvPr id="4" name="Picture 3"/>
+          <p:cNvPr id="1026" name="Picture 2"/>
           <p:cNvPicPr>
             <a:picLocks noChangeAspect="1" noChangeArrowheads="1"/>
           </p:cNvPicPr>
@@ -40624,21 +40629,43 @@
             <a:fillRect/>
           </a:stretch>
         </p:blipFill>
-        <p:spPr>
+        <p:spPr bwMode="auto">
           <a:xfrm>
-            <a:off x="467544" y="1709738"/>
-            <a:ext cx="7507287" cy="4183062"/>
+            <a:off x="1259632" y="1772816"/>
+            <a:ext cx="7056784" cy="4032448"/>
           </a:xfrm>
           <a:prstGeom prst="rect">
             <a:avLst/>
           </a:prstGeom>
-          <a:ln/>
+          <a:noFill/>
+          <a:ln>
+            <a:noFill/>
+          </a:ln>
+          <a:extLst>
+            <a:ext uri="{909E8E84-426E-40DD-AFC4-6F175D3DCCD1}">
+              <a14:hiddenFill xmlns:a14="http://schemas.microsoft.com/office/drawing/2010/main">
+                <a:solidFill>
+                  <a:schemeClr val="accent1"/>
+                </a:solidFill>
+              </a14:hiddenFill>
+            </a:ext>
+            <a:ext uri="{91240B29-F687-4F45-9708-019B960494DF}">
+              <a14:hiddenLine xmlns:a14="http://schemas.microsoft.com/office/drawing/2010/main" w="9525">
+                <a:solidFill>
+                  <a:schemeClr val="tx1"/>
+                </a:solidFill>
+                <a:miter lim="800000"/>
+                <a:headEnd/>
+                <a:tailEnd/>
+              </a14:hiddenLine>
+            </a:ext>
+          </a:extLst>
         </p:spPr>
       </p:pic>
     </p:spTree>
     <p:extLst>
       <p:ext uri="{BB962C8B-B14F-4D97-AF65-F5344CB8AC3E}">
-        <p14:creationId xmlns:p14="http://schemas.microsoft.com/office/powerpoint/2010/main" val="3050582331"/>
+        <p14:creationId xmlns:p14="http://schemas.microsoft.com/office/powerpoint/2010/main" val="1108323965"/>
       </p:ext>
     </p:extLst>
   </p:cSld>
@@ -40648,170 +40675,7 @@
   <p:timing>
     <p:tnLst>
       <p:par>
-        <p:cTn id="1" dur="indefinite" restart="never" nodeType="tmRoot">
-          <p:childTnLst>
-            <p:seq concurrent="1" nextAc="seek">
-              <p:cTn id="2" dur="indefinite" nodeType="mainSeq">
-                <p:childTnLst>
-                  <p:par>
-                    <p:cTn id="3" fill="hold">
-                      <p:stCondLst>
-                        <p:cond delay="indefinite"/>
-                        <p:cond evt="onBegin" delay="0">
-                          <p:tn val="2"/>
-                        </p:cond>
-                      </p:stCondLst>
-                      <p:childTnLst>
-                        <p:par>
-                          <p:cTn id="4" fill="hold">
-                            <p:stCondLst>
-                              <p:cond delay="0"/>
-                            </p:stCondLst>
-                            <p:childTnLst>
-                              <p:par>
-                                <p:cTn id="5" presetID="17" presetClass="entr" presetSubtype="8" fill="hold" nodeType="afterEffect">
-                                  <p:stCondLst>
-                                    <p:cond delay="0"/>
-                                  </p:stCondLst>
-                                  <p:childTnLst>
-                                    <p:set>
-                                      <p:cBhvr>
-                                        <p:cTn id="6" dur="1" fill="hold">
-                                          <p:stCondLst>
-                                            <p:cond delay="0"/>
-                                          </p:stCondLst>
-                                        </p:cTn>
-                                        <p:tgtEl>
-                                          <p:spTgt spid="4"/>
-                                        </p:tgtEl>
-                                        <p:attrNameLst>
-                                          <p:attrName>style.visibility</p:attrName>
-                                        </p:attrNameLst>
-                                      </p:cBhvr>
-                                      <p:to>
-                                        <p:strVal val="visible"/>
-                                      </p:to>
-                                    </p:set>
-                                    <p:anim calcmode="lin" valueType="num">
-                                      <p:cBhvr>
-                                        <p:cTn id="7" dur="500" fill="hold"/>
-                                        <p:tgtEl>
-                                          <p:spTgt spid="4"/>
-                                        </p:tgtEl>
-                                        <p:attrNameLst>
-                                          <p:attrName>ppt_x</p:attrName>
-                                        </p:attrNameLst>
-                                      </p:cBhvr>
-                                      <p:tavLst>
-                                        <p:tav tm="0">
-                                          <p:val>
-                                            <p:strVal val="#ppt_x-#ppt_w/2"/>
-                                          </p:val>
-                                        </p:tav>
-                                        <p:tav tm="100000">
-                                          <p:val>
-                                            <p:strVal val="#ppt_x"/>
-                                          </p:val>
-                                        </p:tav>
-                                      </p:tavLst>
-                                    </p:anim>
-                                    <p:anim calcmode="lin" valueType="num">
-                                      <p:cBhvr>
-                                        <p:cTn id="8" dur="500" fill="hold"/>
-                                        <p:tgtEl>
-                                          <p:spTgt spid="4"/>
-                                        </p:tgtEl>
-                                        <p:attrNameLst>
-                                          <p:attrName>ppt_y</p:attrName>
-                                        </p:attrNameLst>
-                                      </p:cBhvr>
-                                      <p:tavLst>
-                                        <p:tav tm="0">
-                                          <p:val>
-                                            <p:strVal val="#ppt_y"/>
-                                          </p:val>
-                                        </p:tav>
-                                        <p:tav tm="100000">
-                                          <p:val>
-                                            <p:strVal val="#ppt_y"/>
-                                          </p:val>
-                                        </p:tav>
-                                      </p:tavLst>
-                                    </p:anim>
-                                    <p:anim calcmode="lin" valueType="num">
-                                      <p:cBhvr>
-                                        <p:cTn id="9" dur="500" fill="hold"/>
-                                        <p:tgtEl>
-                                          <p:spTgt spid="4"/>
-                                        </p:tgtEl>
-                                        <p:attrNameLst>
-                                          <p:attrName>ppt_w</p:attrName>
-                                        </p:attrNameLst>
-                                      </p:cBhvr>
-                                      <p:tavLst>
-                                        <p:tav tm="0">
-                                          <p:val>
-                                            <p:fltVal val="0"/>
-                                          </p:val>
-                                        </p:tav>
-                                        <p:tav tm="100000">
-                                          <p:val>
-                                            <p:strVal val="#ppt_w"/>
-                                          </p:val>
-                                        </p:tav>
-                                      </p:tavLst>
-                                    </p:anim>
-                                    <p:anim calcmode="lin" valueType="num">
-                                      <p:cBhvr>
-                                        <p:cTn id="10" dur="500" fill="hold"/>
-                                        <p:tgtEl>
-                                          <p:spTgt spid="4"/>
-                                        </p:tgtEl>
-                                        <p:attrNameLst>
-                                          <p:attrName>ppt_h</p:attrName>
-                                        </p:attrNameLst>
-                                      </p:cBhvr>
-                                      <p:tavLst>
-                                        <p:tav tm="0">
-                                          <p:val>
-                                            <p:strVal val="#ppt_h"/>
-                                          </p:val>
-                                        </p:tav>
-                                        <p:tav tm="100000">
-                                          <p:val>
-                                            <p:strVal val="#ppt_h"/>
-                                          </p:val>
-                                        </p:tav>
-                                      </p:tavLst>
-                                    </p:anim>
-                                  </p:childTnLst>
-                                </p:cTn>
-                              </p:par>
-                            </p:childTnLst>
-                          </p:cTn>
-                        </p:par>
-                      </p:childTnLst>
-                    </p:cTn>
-                  </p:par>
-                </p:childTnLst>
-              </p:cTn>
-              <p:prevCondLst>
-                <p:cond evt="onPrev" delay="0">
-                  <p:tgtEl>
-                    <p:sldTgt/>
-                  </p:tgtEl>
-                </p:cond>
-              </p:prevCondLst>
-              <p:nextCondLst>
-                <p:cond evt="onNext" delay="0">
-                  <p:tgtEl>
-                    <p:sldTgt/>
-                  </p:tgtEl>
-                </p:cond>
-              </p:nextCondLst>
-            </p:seq>
-          </p:childTnLst>
-        </p:cTn>
+        <p:cTn id="1" dur="indefinite" restart="never" nodeType="tmRoot"/>
       </p:par>
     </p:tnLst>
   </p:timing>
@@ -41002,6 +40866,13 @@
   <p:clrMapOvr>
     <a:masterClrMapping/>
   </p:clrMapOvr>
+  <p:timing>
+    <p:tnLst>
+      <p:par>
+        <p:cTn id="1" dur="indefinite" restart="never" nodeType="tmRoot"/>
+      </p:par>
+    </p:tnLst>
+  </p:timing>
 </p:sld>
 </file>
 
@@ -41130,6 +41001,13 @@
   <p:clrMapOvr>
     <a:masterClrMapping/>
   </p:clrMapOvr>
+  <p:timing>
+    <p:tnLst>
+      <p:par>
+        <p:cTn id="1" dur="indefinite" restart="never" nodeType="tmRoot"/>
+      </p:par>
+    </p:tnLst>
+  </p:timing>
 </p:sld>
 </file>
 
@@ -41258,6 +41136,13 @@
   <p:clrMapOvr>
     <a:masterClrMapping/>
   </p:clrMapOvr>
+  <p:timing>
+    <p:tnLst>
+      <p:par>
+        <p:cTn id="1" dur="indefinite" restart="never" nodeType="tmRoot"/>
+      </p:par>
+    </p:tnLst>
+  </p:timing>
 </p:sld>
 </file>
 
@@ -41410,6 +41295,13 @@
   <p:clrMapOvr>
     <a:masterClrMapping/>
   </p:clrMapOvr>
+  <p:timing>
+    <p:tnLst>
+      <p:par>
+        <p:cTn id="1" dur="indefinite" restart="never" nodeType="tmRoot"/>
+      </p:par>
+    </p:tnLst>
+  </p:timing>
 </p:sld>
 </file>
 
@@ -41539,6 +41431,13 @@
   <p:clrMapOvr>
     <a:masterClrMapping/>
   </p:clrMapOvr>
+  <p:timing>
+    <p:tnLst>
+      <p:par>
+        <p:cTn id="1" dur="indefinite" restart="never" nodeType="tmRoot"/>
+      </p:par>
+    </p:tnLst>
+  </p:timing>
 </p:sld>
 </file>
 
@@ -41722,6 +41621,13 @@
   <p:clrMapOvr>
     <a:masterClrMapping/>
   </p:clrMapOvr>
+  <p:timing>
+    <p:tnLst>
+      <p:par>
+        <p:cTn id="1" dur="indefinite" restart="never" nodeType="tmRoot"/>
+      </p:par>
+    </p:tnLst>
+  </p:timing>
 </p:sld>
 </file>
 

--- a/java/docs/14-java-网络编程.pptx
+++ b/java/docs/14-java-网络编程.pptx
@@ -39717,11 +39717,7 @@
           <a:p>
             <a:r>
               <a:rPr lang="zh-CN" altLang="en-US" dirty="0"/>
-              <a:t>单击</a:t>
-            </a:r>
-            <a:r>
-              <a:rPr lang="zh-CN" altLang="en-US" dirty="0" smtClean="0"/>
-              <a:t>此处添加标题</a:t>
+              <a:t>网络编程</a:t>
             </a:r>
             <a:endParaRPr lang="zh-CN" altLang="en-US" dirty="0"/>
           </a:p>
@@ -39744,7 +39740,7 @@
           <a:p>
             <a:r>
               <a:rPr lang="zh-CN" altLang="en-US" dirty="0" smtClean="0"/>
-              <a:t>单击此处添加作者信息</a:t>
+              <a:t>研发中心</a:t>
             </a:r>
             <a:endParaRPr lang="zh-CN" altLang="en-US" dirty="0"/>
           </a:p>
